--- a/data/artifacts/slides.pptx
+++ b/data/artifacts/slides.pptx
@@ -6,6 +6,16 @@
   </p:sldMasterIdLst>
   <p:sldIdLst>
     <p:sldId id="256" r:id="rId7"/>
+    <p:sldId id="257" r:id="rId8"/>
+    <p:sldId id="258" r:id="rId9"/>
+    <p:sldId id="259" r:id="rId10"/>
+    <p:sldId id="260" r:id="rId11"/>
+    <p:sldId id="261" r:id="rId12"/>
+    <p:sldId id="262" r:id="rId13"/>
+    <p:sldId id="263" r:id="rId14"/>
+    <p:sldId id="264" r:id="rId15"/>
+    <p:sldId id="265" r:id="rId16"/>
+    <p:sldId id="266" r:id="rId17"/>
   </p:sldIdLst>
   <p:sldSz cx="9144000" cy="6858000" type="screen4x3"/>
   <p:notesSz cx="6858000" cy="9144000"/>
@@ -3104,7 +3114,7 @@
           <a:lstStyle/>
           <a:p>
             <a:r>
-              <a:t>Dummy</a:t>
+              <a:t>Transformer (Condensed)</a:t>
             </a:r>
           </a:p>
         </p:txBody>
@@ -3124,6 +3134,698 @@
           <a:bodyPr/>
           <a:lstStyle/>
           <a:p/>
+        </p:txBody>
+      </p:sp>
+    </p:spTree>
+  </p:cSld>
+  <p:clrMapOvr>
+    <a:masterClrMapping/>
+  </p:clrMapOvr>
+</p:sld>
+</file>
+
+<file path=ppt/slides/slide10.xml><?xml version="1.0" encoding="utf-8"?>
+<p:sld xmlns:a="http://schemas.openxmlformats.org/drawingml/2006/main" xmlns:p="http://schemas.openxmlformats.org/presentationml/2006/main" xmlns:r="http://schemas.openxmlformats.org/officeDocument/2006/relationships">
+  <p:cSld>
+    <p:spTree>
+      <p:nvGrpSpPr>
+        <p:cNvPr id="1" name=""/>
+        <p:cNvGrpSpPr/>
+        <p:nvPr/>
+      </p:nvGrpSpPr>
+      <p:grpSpPr/>
+      <p:sp>
+        <p:nvSpPr>
+          <p:cNvPr id="2" name="Title 1"/>
+          <p:cNvSpPr>
+            <a:spLocks noGrp="1"/>
+          </p:cNvSpPr>
+          <p:nvPr>
+            <p:ph type="title"/>
+          </p:nvPr>
+        </p:nvSpPr>
+        <p:spPr/>
+        <p:txBody>
+          <a:bodyPr/>
+          <a:lstStyle/>
+          <a:p>
+            <a:r>
+              <a:t>Illia Polosukhin∗ ‡</a:t>
+            </a:r>
+          </a:p>
+        </p:txBody>
+      </p:sp>
+      <p:sp>
+        <p:nvSpPr>
+          <p:cNvPr id="3" name="Content Placeholder 2"/>
+          <p:cNvSpPr>
+            <a:spLocks noGrp="1"/>
+          </p:cNvSpPr>
+          <p:nvPr>
+            <p:ph idx="1"/>
+          </p:nvPr>
+        </p:nvSpPr>
+        <p:spPr/>
+        <p:txBody>
+          <a:bodyPr/>
+          <a:lstStyle/>
+          <a:p/>
+          <a:p>
+            <a:pPr/>
+            <a:r>
+              <a:t>illia.polosukhin@gmail.com</a:t>
+            </a:r>
+          </a:p>
+        </p:txBody>
+      </p:sp>
+    </p:spTree>
+  </p:cSld>
+  <p:clrMapOvr>
+    <a:masterClrMapping/>
+  </p:clrMapOvr>
+</p:sld>
+</file>
+
+<file path=ppt/slides/slide11.xml><?xml version="1.0" encoding="utf-8"?>
+<p:sld xmlns:a="http://schemas.openxmlformats.org/drawingml/2006/main" xmlns:p="http://schemas.openxmlformats.org/presentationml/2006/main" xmlns:r="http://schemas.openxmlformats.org/officeDocument/2006/relationships">
+  <p:cSld>
+    <p:spTree>
+      <p:nvGrpSpPr>
+        <p:cNvPr id="1" name=""/>
+        <p:cNvGrpSpPr/>
+        <p:nvPr/>
+      </p:nvGrpSpPr>
+      <p:grpSpPr/>
+      <p:sp>
+        <p:nvSpPr>
+          <p:cNvPr id="2" name="Title 1"/>
+          <p:cNvSpPr>
+            <a:spLocks noGrp="1"/>
+          </p:cNvSpPr>
+          <p:nvPr>
+            <p:ph type="title"/>
+          </p:nvPr>
+        </p:nvSpPr>
+        <p:spPr/>
+        <p:txBody>
+          <a:bodyPr/>
+          <a:lstStyle/>
+          <a:p>
+            <a:r>
+              <a:t>The dominant sequence transduction models are based on complex recurrent or</a:t>
+            </a:r>
+          </a:p>
+        </p:txBody>
+      </p:sp>
+      <p:sp>
+        <p:nvSpPr>
+          <p:cNvPr id="3" name="Content Placeholder 2"/>
+          <p:cNvSpPr>
+            <a:spLocks noGrp="1"/>
+          </p:cNvSpPr>
+          <p:nvPr>
+            <p:ph idx="1"/>
+          </p:nvPr>
+        </p:nvSpPr>
+        <p:spPr/>
+        <p:txBody>
+          <a:bodyPr/>
+          <a:lstStyle/>
+          <a:p/>
+          <a:p>
+            <a:pPr/>
+            <a:r>
+              <a:t>convolutional neural networks that include an encoder and a decoder. The best</a:t>
+            </a:r>
+          </a:p>
+          <a:p>
+            <a:pPr/>
+            <a:r>
+              <a:t>performing models also connect the encoder and decoder through an attention</a:t>
+            </a:r>
+          </a:p>
+          <a:p>
+            <a:pPr/>
+            <a:r>
+              <a:t>mechanism. We propose a new simple network architecture, the Transformer,</a:t>
+            </a:r>
+          </a:p>
+          <a:p>
+            <a:pPr/>
+            <a:r>
+              <a:t>based solely on attention mechanisms, dispensing with recurrence and convolutions</a:t>
+            </a:r>
+          </a:p>
+          <a:p>
+            <a:pPr/>
+            <a:r>
+              <a:t>entirely. Experiments on two machine translation tasks show these models to</a:t>
+            </a:r>
+          </a:p>
+        </p:txBody>
+      </p:sp>
+    </p:spTree>
+  </p:cSld>
+  <p:clrMapOvr>
+    <a:masterClrMapping/>
+  </p:clrMapOvr>
+</p:sld>
+</file>
+
+<file path=ppt/slides/slide2.xml><?xml version="1.0" encoding="utf-8"?>
+<p:sld xmlns:a="http://schemas.openxmlformats.org/drawingml/2006/main" xmlns:p="http://schemas.openxmlformats.org/presentationml/2006/main" xmlns:r="http://schemas.openxmlformats.org/officeDocument/2006/relationships">
+  <p:cSld>
+    <p:spTree>
+      <p:nvGrpSpPr>
+        <p:cNvPr id="1" name=""/>
+        <p:cNvGrpSpPr/>
+        <p:nvPr/>
+      </p:nvGrpSpPr>
+      <p:grpSpPr/>
+      <p:sp>
+        <p:nvSpPr>
+          <p:cNvPr id="2" name="Title 1"/>
+          <p:cNvSpPr>
+            <a:spLocks noGrp="1"/>
+          </p:cNvSpPr>
+          <p:nvPr>
+            <p:ph type="title"/>
+          </p:nvPr>
+        </p:nvSpPr>
+        <p:spPr/>
+        <p:txBody>
+          <a:bodyPr/>
+          <a:lstStyle/>
+          <a:p>
+            <a:r>
+              <a:t>Provided proper attribution is provided, Google hereby grants permission to</a:t>
+            </a:r>
+          </a:p>
+        </p:txBody>
+      </p:sp>
+      <p:sp>
+        <p:nvSpPr>
+          <p:cNvPr id="3" name="Content Placeholder 2"/>
+          <p:cNvSpPr>
+            <a:spLocks noGrp="1"/>
+          </p:cNvSpPr>
+          <p:nvPr>
+            <p:ph idx="1"/>
+          </p:nvPr>
+        </p:nvSpPr>
+        <p:spPr/>
+        <p:txBody>
+          <a:bodyPr/>
+          <a:lstStyle/>
+          <a:p/>
+          <a:p>
+            <a:pPr/>
+            <a:r>
+              <a:t>reproduce the tables and figures in this paper solely for use in journalistic or</a:t>
+            </a:r>
+          </a:p>
+          <a:p>
+            <a:pPr/>
+            <a:r>
+              <a:t>scholarly works.</a:t>
+            </a:r>
+          </a:p>
+        </p:txBody>
+      </p:sp>
+    </p:spTree>
+  </p:cSld>
+  <p:clrMapOvr>
+    <a:masterClrMapping/>
+  </p:clrMapOvr>
+</p:sld>
+</file>
+
+<file path=ppt/slides/slide3.xml><?xml version="1.0" encoding="utf-8"?>
+<p:sld xmlns:a="http://schemas.openxmlformats.org/drawingml/2006/main" xmlns:p="http://schemas.openxmlformats.org/presentationml/2006/main" xmlns:r="http://schemas.openxmlformats.org/officeDocument/2006/relationships">
+  <p:cSld>
+    <p:spTree>
+      <p:nvGrpSpPr>
+        <p:cNvPr id="1" name=""/>
+        <p:cNvGrpSpPr/>
+        <p:nvPr/>
+      </p:nvGrpSpPr>
+      <p:grpSpPr/>
+      <p:sp>
+        <p:nvSpPr>
+          <p:cNvPr id="2" name="Title 1"/>
+          <p:cNvSpPr>
+            <a:spLocks noGrp="1"/>
+          </p:cNvSpPr>
+          <p:nvPr>
+            <p:ph type="title"/>
+          </p:nvPr>
+        </p:nvSpPr>
+        <p:spPr/>
+        <p:txBody>
+          <a:bodyPr/>
+          <a:lstStyle/>
+          <a:p>
+            <a:r>
+              <a:t>Ashish Vaswani∗</a:t>
+            </a:r>
+          </a:p>
+        </p:txBody>
+      </p:sp>
+      <p:sp>
+        <p:nvSpPr>
+          <p:cNvPr id="3" name="Content Placeholder 2"/>
+          <p:cNvSpPr>
+            <a:spLocks noGrp="1"/>
+          </p:cNvSpPr>
+          <p:nvPr>
+            <p:ph idx="1"/>
+          </p:nvPr>
+        </p:nvSpPr>
+        <p:spPr/>
+        <p:txBody>
+          <a:bodyPr/>
+          <a:lstStyle/>
+          <a:p/>
+          <a:p>
+            <a:pPr/>
+            <a:r>
+              <a:t>Google Brain</a:t>
+            </a:r>
+          </a:p>
+          <a:p>
+            <a:pPr/>
+            <a:r>
+              <a:t>avaswani@google.com</a:t>
+            </a:r>
+          </a:p>
+        </p:txBody>
+      </p:sp>
+    </p:spTree>
+  </p:cSld>
+  <p:clrMapOvr>
+    <a:masterClrMapping/>
+  </p:clrMapOvr>
+</p:sld>
+</file>
+
+<file path=ppt/slides/slide4.xml><?xml version="1.0" encoding="utf-8"?>
+<p:sld xmlns:a="http://schemas.openxmlformats.org/drawingml/2006/main" xmlns:p="http://schemas.openxmlformats.org/presentationml/2006/main" xmlns:r="http://schemas.openxmlformats.org/officeDocument/2006/relationships">
+  <p:cSld>
+    <p:spTree>
+      <p:nvGrpSpPr>
+        <p:cNvPr id="1" name=""/>
+        <p:cNvGrpSpPr/>
+        <p:nvPr/>
+      </p:nvGrpSpPr>
+      <p:grpSpPr/>
+      <p:sp>
+        <p:nvSpPr>
+          <p:cNvPr id="2" name="Title 1"/>
+          <p:cNvSpPr>
+            <a:spLocks noGrp="1"/>
+          </p:cNvSpPr>
+          <p:nvPr>
+            <p:ph type="title"/>
+          </p:nvPr>
+        </p:nvSpPr>
+        <p:spPr/>
+        <p:txBody>
+          <a:bodyPr/>
+          <a:lstStyle/>
+          <a:p>
+            <a:r>
+              <a:t>Noam Shazeer∗</a:t>
+            </a:r>
+          </a:p>
+        </p:txBody>
+      </p:sp>
+      <p:sp>
+        <p:nvSpPr>
+          <p:cNvPr id="3" name="Content Placeholder 2"/>
+          <p:cNvSpPr>
+            <a:spLocks noGrp="1"/>
+          </p:cNvSpPr>
+          <p:nvPr>
+            <p:ph idx="1"/>
+          </p:nvPr>
+        </p:nvSpPr>
+        <p:spPr/>
+        <p:txBody>
+          <a:bodyPr/>
+          <a:lstStyle/>
+          <a:p/>
+          <a:p>
+            <a:pPr/>
+            <a:r>
+              <a:t>Google Brain</a:t>
+            </a:r>
+          </a:p>
+          <a:p>
+            <a:pPr/>
+            <a:r>
+              <a:t>noam@google.com</a:t>
+            </a:r>
+          </a:p>
+        </p:txBody>
+      </p:sp>
+    </p:spTree>
+  </p:cSld>
+  <p:clrMapOvr>
+    <a:masterClrMapping/>
+  </p:clrMapOvr>
+</p:sld>
+</file>
+
+<file path=ppt/slides/slide5.xml><?xml version="1.0" encoding="utf-8"?>
+<p:sld xmlns:a="http://schemas.openxmlformats.org/drawingml/2006/main" xmlns:p="http://schemas.openxmlformats.org/presentationml/2006/main" xmlns:r="http://schemas.openxmlformats.org/officeDocument/2006/relationships">
+  <p:cSld>
+    <p:spTree>
+      <p:nvGrpSpPr>
+        <p:cNvPr id="1" name=""/>
+        <p:cNvGrpSpPr/>
+        <p:nvPr/>
+      </p:nvGrpSpPr>
+      <p:grpSpPr/>
+      <p:sp>
+        <p:nvSpPr>
+          <p:cNvPr id="2" name="Title 1"/>
+          <p:cNvSpPr>
+            <a:spLocks noGrp="1"/>
+          </p:cNvSpPr>
+          <p:nvPr>
+            <p:ph type="title"/>
+          </p:nvPr>
+        </p:nvSpPr>
+        <p:spPr/>
+        <p:txBody>
+          <a:bodyPr/>
+          <a:lstStyle/>
+          <a:p>
+            <a:r>
+              <a:t>Niki Parmar∗</a:t>
+            </a:r>
+          </a:p>
+        </p:txBody>
+      </p:sp>
+      <p:sp>
+        <p:nvSpPr>
+          <p:cNvPr id="3" name="Content Placeholder 2"/>
+          <p:cNvSpPr>
+            <a:spLocks noGrp="1"/>
+          </p:cNvSpPr>
+          <p:nvPr>
+            <p:ph idx="1"/>
+          </p:nvPr>
+        </p:nvSpPr>
+        <p:spPr/>
+        <p:txBody>
+          <a:bodyPr/>
+          <a:lstStyle/>
+          <a:p/>
+          <a:p>
+            <a:pPr/>
+            <a:r>
+              <a:t>Google Research</a:t>
+            </a:r>
+          </a:p>
+          <a:p>
+            <a:pPr/>
+            <a:r>
+              <a:t>nikip@google.com</a:t>
+            </a:r>
+          </a:p>
+        </p:txBody>
+      </p:sp>
+    </p:spTree>
+  </p:cSld>
+  <p:clrMapOvr>
+    <a:masterClrMapping/>
+  </p:clrMapOvr>
+</p:sld>
+</file>
+
+<file path=ppt/slides/slide6.xml><?xml version="1.0" encoding="utf-8"?>
+<p:sld xmlns:a="http://schemas.openxmlformats.org/drawingml/2006/main" xmlns:p="http://schemas.openxmlformats.org/presentationml/2006/main" xmlns:r="http://schemas.openxmlformats.org/officeDocument/2006/relationships">
+  <p:cSld>
+    <p:spTree>
+      <p:nvGrpSpPr>
+        <p:cNvPr id="1" name=""/>
+        <p:cNvGrpSpPr/>
+        <p:nvPr/>
+      </p:nvGrpSpPr>
+      <p:grpSpPr/>
+      <p:sp>
+        <p:nvSpPr>
+          <p:cNvPr id="2" name="Title 1"/>
+          <p:cNvSpPr>
+            <a:spLocks noGrp="1"/>
+          </p:cNvSpPr>
+          <p:nvPr>
+            <p:ph type="title"/>
+          </p:nvPr>
+        </p:nvSpPr>
+        <p:spPr/>
+        <p:txBody>
+          <a:bodyPr/>
+          <a:lstStyle/>
+          <a:p>
+            <a:r>
+              <a:t>Jakob Uszkoreit∗</a:t>
+            </a:r>
+          </a:p>
+        </p:txBody>
+      </p:sp>
+      <p:sp>
+        <p:nvSpPr>
+          <p:cNvPr id="3" name="Content Placeholder 2"/>
+          <p:cNvSpPr>
+            <a:spLocks noGrp="1"/>
+          </p:cNvSpPr>
+          <p:nvPr>
+            <p:ph idx="1"/>
+          </p:nvPr>
+        </p:nvSpPr>
+        <p:spPr/>
+        <p:txBody>
+          <a:bodyPr/>
+          <a:lstStyle/>
+          <a:p/>
+          <a:p>
+            <a:pPr/>
+            <a:r>
+              <a:t>Google Research</a:t>
+            </a:r>
+          </a:p>
+          <a:p>
+            <a:pPr/>
+            <a:r>
+              <a:t>usz@google.com</a:t>
+            </a:r>
+          </a:p>
+        </p:txBody>
+      </p:sp>
+    </p:spTree>
+  </p:cSld>
+  <p:clrMapOvr>
+    <a:masterClrMapping/>
+  </p:clrMapOvr>
+</p:sld>
+</file>
+
+<file path=ppt/slides/slide7.xml><?xml version="1.0" encoding="utf-8"?>
+<p:sld xmlns:a="http://schemas.openxmlformats.org/drawingml/2006/main" xmlns:p="http://schemas.openxmlformats.org/presentationml/2006/main" xmlns:r="http://schemas.openxmlformats.org/officeDocument/2006/relationships">
+  <p:cSld>
+    <p:spTree>
+      <p:nvGrpSpPr>
+        <p:cNvPr id="1" name=""/>
+        <p:cNvGrpSpPr/>
+        <p:nvPr/>
+      </p:nvGrpSpPr>
+      <p:grpSpPr/>
+      <p:sp>
+        <p:nvSpPr>
+          <p:cNvPr id="2" name="Title 1"/>
+          <p:cNvSpPr>
+            <a:spLocks noGrp="1"/>
+          </p:cNvSpPr>
+          <p:nvPr>
+            <p:ph type="title"/>
+          </p:nvPr>
+        </p:nvSpPr>
+        <p:spPr/>
+        <p:txBody>
+          <a:bodyPr/>
+          <a:lstStyle/>
+          <a:p>
+            <a:r>
+              <a:t>Llion Jones∗</a:t>
+            </a:r>
+          </a:p>
+        </p:txBody>
+      </p:sp>
+      <p:sp>
+        <p:nvSpPr>
+          <p:cNvPr id="3" name="Content Placeholder 2"/>
+          <p:cNvSpPr>
+            <a:spLocks noGrp="1"/>
+          </p:cNvSpPr>
+          <p:nvPr>
+            <p:ph idx="1"/>
+          </p:nvPr>
+        </p:nvSpPr>
+        <p:spPr/>
+        <p:txBody>
+          <a:bodyPr/>
+          <a:lstStyle/>
+          <a:p/>
+          <a:p>
+            <a:pPr/>
+            <a:r>
+              <a:t>Google Research</a:t>
+            </a:r>
+          </a:p>
+          <a:p>
+            <a:pPr/>
+            <a:r>
+              <a:t>llion@google.com</a:t>
+            </a:r>
+          </a:p>
+        </p:txBody>
+      </p:sp>
+    </p:spTree>
+  </p:cSld>
+  <p:clrMapOvr>
+    <a:masterClrMapping/>
+  </p:clrMapOvr>
+</p:sld>
+</file>
+
+<file path=ppt/slides/slide8.xml><?xml version="1.0" encoding="utf-8"?>
+<p:sld xmlns:a="http://schemas.openxmlformats.org/drawingml/2006/main" xmlns:p="http://schemas.openxmlformats.org/presentationml/2006/main" xmlns:r="http://schemas.openxmlformats.org/officeDocument/2006/relationships">
+  <p:cSld>
+    <p:spTree>
+      <p:nvGrpSpPr>
+        <p:cNvPr id="1" name=""/>
+        <p:cNvGrpSpPr/>
+        <p:nvPr/>
+      </p:nvGrpSpPr>
+      <p:grpSpPr/>
+      <p:sp>
+        <p:nvSpPr>
+          <p:cNvPr id="2" name="Title 1"/>
+          <p:cNvSpPr>
+            <a:spLocks noGrp="1"/>
+          </p:cNvSpPr>
+          <p:nvPr>
+            <p:ph type="title"/>
+          </p:nvPr>
+        </p:nvSpPr>
+        <p:spPr/>
+        <p:txBody>
+          <a:bodyPr/>
+          <a:lstStyle/>
+          <a:p>
+            <a:r>
+              <a:t>Aidan N. Gomez∗ †</a:t>
+            </a:r>
+          </a:p>
+        </p:txBody>
+      </p:sp>
+      <p:sp>
+        <p:nvSpPr>
+          <p:cNvPr id="3" name="Content Placeholder 2"/>
+          <p:cNvSpPr>
+            <a:spLocks noGrp="1"/>
+          </p:cNvSpPr>
+          <p:nvPr>
+            <p:ph idx="1"/>
+          </p:nvPr>
+        </p:nvSpPr>
+        <p:spPr/>
+        <p:txBody>
+          <a:bodyPr/>
+          <a:lstStyle/>
+          <a:p/>
+          <a:p>
+            <a:pPr/>
+            <a:r>
+              <a:t>University of Toronto</a:t>
+            </a:r>
+          </a:p>
+          <a:p>
+            <a:pPr/>
+            <a:r>
+              <a:t>aidan@cs.toronto.edu</a:t>
+            </a:r>
+          </a:p>
+        </p:txBody>
+      </p:sp>
+    </p:spTree>
+  </p:cSld>
+  <p:clrMapOvr>
+    <a:masterClrMapping/>
+  </p:clrMapOvr>
+</p:sld>
+</file>
+
+<file path=ppt/slides/slide9.xml><?xml version="1.0" encoding="utf-8"?>
+<p:sld xmlns:a="http://schemas.openxmlformats.org/drawingml/2006/main" xmlns:p="http://schemas.openxmlformats.org/presentationml/2006/main" xmlns:r="http://schemas.openxmlformats.org/officeDocument/2006/relationships">
+  <p:cSld>
+    <p:spTree>
+      <p:nvGrpSpPr>
+        <p:cNvPr id="1" name=""/>
+        <p:cNvGrpSpPr/>
+        <p:nvPr/>
+      </p:nvGrpSpPr>
+      <p:grpSpPr/>
+      <p:sp>
+        <p:nvSpPr>
+          <p:cNvPr id="2" name="Title 1"/>
+          <p:cNvSpPr>
+            <a:spLocks noGrp="1"/>
+          </p:cNvSpPr>
+          <p:nvPr>
+            <p:ph type="title"/>
+          </p:nvPr>
+        </p:nvSpPr>
+        <p:spPr/>
+        <p:txBody>
+          <a:bodyPr/>
+          <a:lstStyle/>
+          <a:p>
+            <a:r>
+              <a:t>Łukasz Kaiser∗</a:t>
+            </a:r>
+          </a:p>
+        </p:txBody>
+      </p:sp>
+      <p:sp>
+        <p:nvSpPr>
+          <p:cNvPr id="3" name="Content Placeholder 2"/>
+          <p:cNvSpPr>
+            <a:spLocks noGrp="1"/>
+          </p:cNvSpPr>
+          <p:nvPr>
+            <p:ph idx="1"/>
+          </p:nvPr>
+        </p:nvSpPr>
+        <p:spPr/>
+        <p:txBody>
+          <a:bodyPr/>
+          <a:lstStyle/>
+          <a:p/>
+          <a:p>
+            <a:pPr/>
+            <a:r>
+              <a:t>Google Brain</a:t>
+            </a:r>
+          </a:p>
+          <a:p>
+            <a:pPr/>
+            <a:r>
+              <a:t>lukaszkaiser@google.com</a:t>
+            </a:r>
+          </a:p>
         </p:txBody>
       </p:sp>
     </p:spTree>
